--- a/pptdiagrams.pptx
+++ b/pptdiagrams.pptx
@@ -11,6 +11,8 @@
     <p:sldId id="259" r:id="rId5"/>
     <p:sldId id="260" r:id="rId6"/>
     <p:sldId id="261" r:id="rId7"/>
+    <p:sldId id="264" r:id="rId8"/>
+    <p:sldId id="266" r:id="rId9"/>
   </p:sldIdLst>
   <p:sldSz cx="12192000" cy="6858000"/>
   <p:notesSz cx="6858000" cy="9144000"/>
@@ -109,6 +111,11 @@
       </a:defRPr>
     </a:lvl9pPr>
   </p:defaultTextStyle>
+  <p:extLst>
+    <p:ext uri="{EFAFB233-063F-42B5-8137-9DF3F51BA10A}">
+      <p15:sldGuideLst xmlns:p15="http://schemas.microsoft.com/office/powerpoint/2012/main"/>
+    </p:ext>
+  </p:extLst>
 </p:presentation>
 </file>
 
@@ -4409,6 +4416,1078 @@
 </p:sld>
 </file>
 
+<file path=ppt/slides/slide7.xml><?xml version="1.0" encoding="utf-8"?>
+<p:sld xmlns:a="http://schemas.openxmlformats.org/drawingml/2006/main" xmlns:r="http://schemas.openxmlformats.org/officeDocument/2006/relationships" xmlns:p="http://schemas.openxmlformats.org/presentationml/2006/main">
+  <p:cSld>
+    <p:spTree>
+      <p:nvGrpSpPr>
+        <p:cNvPr id="1" name=""/>
+        <p:cNvGrpSpPr/>
+        <p:nvPr/>
+      </p:nvGrpSpPr>
+      <p:grpSpPr>
+        <a:xfrm>
+          <a:off x="0" y="0"/>
+          <a:ext cx="0" cy="0"/>
+          <a:chOff x="0" y="0"/>
+          <a:chExt cx="0" cy="0"/>
+        </a:xfrm>
+      </p:grpSpPr>
+      <p:pic>
+        <p:nvPicPr>
+          <p:cNvPr id="5" name="Picture 4">
+            <a:extLst>
+              <a:ext uri="{FF2B5EF4-FFF2-40B4-BE49-F238E27FC236}">
+                <a16:creationId xmlns:a16="http://schemas.microsoft.com/office/drawing/2014/main" id="{7245E8EF-17ED-314C-AD7F-9E6800B85ED7}"/>
+              </a:ext>
+            </a:extLst>
+          </p:cNvPr>
+          <p:cNvPicPr>
+            <a:picLocks noChangeAspect="1"/>
+          </p:cNvPicPr>
+          <p:nvPr/>
+        </p:nvPicPr>
+        <p:blipFill>
+          <a:blip r:embed="rId2"/>
+          <a:stretch>
+            <a:fillRect/>
+          </a:stretch>
+        </p:blipFill>
+        <p:spPr>
+          <a:xfrm>
+            <a:off x="1312689" y="1511217"/>
+            <a:ext cx="10879311" cy="3466233"/>
+          </a:xfrm>
+          <a:prstGeom prst="rect">
+            <a:avLst/>
+          </a:prstGeom>
+        </p:spPr>
+      </p:pic>
+      <p:cxnSp>
+        <p:nvCxnSpPr>
+          <p:cNvPr id="7" name="Straight Arrow Connector 6">
+            <a:extLst>
+              <a:ext uri="{FF2B5EF4-FFF2-40B4-BE49-F238E27FC236}">
+                <a16:creationId xmlns:a16="http://schemas.microsoft.com/office/drawing/2014/main" id="{90A9315B-1C44-184B-A340-1CF1AB5AA816}"/>
+              </a:ext>
+            </a:extLst>
+          </p:cNvPr>
+          <p:cNvCxnSpPr/>
+          <p:nvPr/>
+        </p:nvCxnSpPr>
+        <p:spPr>
+          <a:xfrm>
+            <a:off x="1447800" y="1186543"/>
+            <a:ext cx="10210800" cy="0"/>
+          </a:xfrm>
+          <a:prstGeom prst="straightConnector1">
+            <a:avLst/>
+          </a:prstGeom>
+          <a:ln w="76200">
+            <a:tailEnd type="triangle"/>
+          </a:ln>
+        </p:spPr>
+        <p:style>
+          <a:lnRef idx="1">
+            <a:schemeClr val="accent2"/>
+          </a:lnRef>
+          <a:fillRef idx="0">
+            <a:schemeClr val="accent2"/>
+          </a:fillRef>
+          <a:effectRef idx="0">
+            <a:schemeClr val="accent2"/>
+          </a:effectRef>
+          <a:fontRef idx="minor">
+            <a:schemeClr val="tx1"/>
+          </a:fontRef>
+        </p:style>
+      </p:cxnSp>
+      <p:sp>
+        <p:nvSpPr>
+          <p:cNvPr id="8" name="TextBox 7">
+            <a:extLst>
+              <a:ext uri="{FF2B5EF4-FFF2-40B4-BE49-F238E27FC236}">
+                <a16:creationId xmlns:a16="http://schemas.microsoft.com/office/drawing/2014/main" id="{B348A448-72A2-1142-93B0-DA7EFD9924C7}"/>
+              </a:ext>
+            </a:extLst>
+          </p:cNvPr>
+          <p:cNvSpPr txBox="1"/>
+          <p:nvPr/>
+        </p:nvSpPr>
+        <p:spPr>
+          <a:xfrm>
+            <a:off x="2542789" y="475989"/>
+            <a:ext cx="7828756" cy="523220"/>
+          </a:xfrm>
+          <a:prstGeom prst="rect">
+            <a:avLst/>
+          </a:prstGeom>
+          <a:noFill/>
+        </p:spPr>
+        <p:txBody>
+          <a:bodyPr wrap="square" rtlCol="0">
+            <a:spAutoFit/>
+          </a:bodyPr>
+          <a:lstStyle/>
+          <a:p>
+            <a:r>
+              <a:rPr lang="en-US" sz="2800" b="1" dirty="0">
+                <a:solidFill>
+                  <a:schemeClr val="accent2"/>
+                </a:solidFill>
+              </a:rPr>
+              <a:t>Columns: Top 25 submissions (forecasters)</a:t>
+            </a:r>
+          </a:p>
+        </p:txBody>
+      </p:sp>
+      <p:cxnSp>
+        <p:nvCxnSpPr>
+          <p:cNvPr id="3" name="Straight Arrow Connector 2">
+            <a:extLst>
+              <a:ext uri="{FF2B5EF4-FFF2-40B4-BE49-F238E27FC236}">
+                <a16:creationId xmlns:a16="http://schemas.microsoft.com/office/drawing/2014/main" id="{9B586A7C-2003-6A4E-A9B1-93626FC890C3}"/>
+              </a:ext>
+            </a:extLst>
+          </p:cNvPr>
+          <p:cNvCxnSpPr/>
+          <p:nvPr/>
+        </p:nvCxnSpPr>
+        <p:spPr>
+          <a:xfrm>
+            <a:off x="977030" y="1122320"/>
+            <a:ext cx="0" cy="4038403"/>
+          </a:xfrm>
+          <a:prstGeom prst="straightConnector1">
+            <a:avLst/>
+          </a:prstGeom>
+          <a:ln w="76200">
+            <a:solidFill>
+              <a:schemeClr val="accent6">
+                <a:lumMod val="75000"/>
+              </a:schemeClr>
+            </a:solidFill>
+            <a:tailEnd type="triangle"/>
+          </a:ln>
+        </p:spPr>
+        <p:style>
+          <a:lnRef idx="1">
+            <a:schemeClr val="accent1"/>
+          </a:lnRef>
+          <a:fillRef idx="0">
+            <a:schemeClr val="accent1"/>
+          </a:fillRef>
+          <a:effectRef idx="0">
+            <a:schemeClr val="accent1"/>
+          </a:effectRef>
+          <a:fontRef idx="minor">
+            <a:schemeClr val="tx1"/>
+          </a:fontRef>
+        </p:style>
+      </p:cxnSp>
+      <p:sp>
+        <p:nvSpPr>
+          <p:cNvPr id="9" name="TextBox 8">
+            <a:extLst>
+              <a:ext uri="{FF2B5EF4-FFF2-40B4-BE49-F238E27FC236}">
+                <a16:creationId xmlns:a16="http://schemas.microsoft.com/office/drawing/2014/main" id="{2977E412-D0B0-AA45-84CB-6B6148B00978}"/>
+              </a:ext>
+            </a:extLst>
+          </p:cNvPr>
+          <p:cNvSpPr txBox="1"/>
+          <p:nvPr/>
+        </p:nvSpPr>
+        <p:spPr>
+          <a:xfrm rot="16200000">
+            <a:off x="-1407772" y="2608395"/>
+            <a:ext cx="3947711" cy="584775"/>
+          </a:xfrm>
+          <a:prstGeom prst="rect">
+            <a:avLst/>
+          </a:prstGeom>
+          <a:noFill/>
+        </p:spPr>
+        <p:txBody>
+          <a:bodyPr wrap="square" rtlCol="0">
+            <a:spAutoFit/>
+          </a:bodyPr>
+          <a:lstStyle/>
+          <a:p>
+            <a:r>
+              <a:rPr lang="en-US" sz="3200" b="1" dirty="0">
+                <a:solidFill>
+                  <a:schemeClr val="accent6">
+                    <a:lumMod val="75000"/>
+                  </a:schemeClr>
+                </a:solidFill>
+              </a:rPr>
+              <a:t>Time series - 23000</a:t>
+            </a:r>
+          </a:p>
+        </p:txBody>
+      </p:sp>
+      <p:sp>
+        <p:nvSpPr>
+          <p:cNvPr id="2" name="TextBox 1">
+            <a:extLst>
+              <a:ext uri="{FF2B5EF4-FFF2-40B4-BE49-F238E27FC236}">
+                <a16:creationId xmlns:a16="http://schemas.microsoft.com/office/drawing/2014/main" id="{84CE3613-ABEC-3A4C-B0F9-88798817F649}"/>
+              </a:ext>
+            </a:extLst>
+          </p:cNvPr>
+          <p:cNvSpPr txBox="1"/>
+          <p:nvPr/>
+        </p:nvSpPr>
+        <p:spPr>
+          <a:xfrm>
+            <a:off x="9622971" y="3244334"/>
+            <a:ext cx="501690" cy="369332"/>
+          </a:xfrm>
+          <a:prstGeom prst="rect">
+            <a:avLst/>
+          </a:prstGeom>
+          <a:solidFill>
+            <a:srgbClr val="FFFF00"/>
+          </a:solidFill>
+        </p:spPr>
+        <p:txBody>
+          <a:bodyPr wrap="square" rtlCol="0">
+            <a:spAutoFit/>
+          </a:bodyPr>
+          <a:lstStyle/>
+          <a:p>
+            <a:r>
+              <a:rPr lang="en-US" dirty="0">
+                <a:solidFill>
+                  <a:srgbClr val="FF0000"/>
+                </a:solidFill>
+              </a:rPr>
+              <a:t>25</a:t>
+            </a:r>
+          </a:p>
+        </p:txBody>
+      </p:sp>
+      <p:sp>
+        <p:nvSpPr>
+          <p:cNvPr id="11" name="TextBox 10">
+            <a:extLst>
+              <a:ext uri="{FF2B5EF4-FFF2-40B4-BE49-F238E27FC236}">
+                <a16:creationId xmlns:a16="http://schemas.microsoft.com/office/drawing/2014/main" id="{06E754D1-2DE5-F54C-A65F-31942217FE0C}"/>
+              </a:ext>
+            </a:extLst>
+          </p:cNvPr>
+          <p:cNvSpPr txBox="1"/>
+          <p:nvPr/>
+        </p:nvSpPr>
+        <p:spPr>
+          <a:xfrm>
+            <a:off x="9622971" y="3569007"/>
+            <a:ext cx="501690" cy="369332"/>
+          </a:xfrm>
+          <a:prstGeom prst="rect">
+            <a:avLst/>
+          </a:prstGeom>
+          <a:solidFill>
+            <a:srgbClr val="FFFF00"/>
+          </a:solidFill>
+        </p:spPr>
+        <p:txBody>
+          <a:bodyPr wrap="square" rtlCol="0">
+            <a:spAutoFit/>
+          </a:bodyPr>
+          <a:lstStyle/>
+          <a:p>
+            <a:r>
+              <a:rPr lang="en-US" dirty="0">
+                <a:solidFill>
+                  <a:srgbClr val="FF0000"/>
+                </a:solidFill>
+              </a:rPr>
+              <a:t>24</a:t>
+            </a:r>
+          </a:p>
+        </p:txBody>
+      </p:sp>
+    </p:spTree>
+    <p:extLst>
+      <p:ext uri="{BB962C8B-B14F-4D97-AF65-F5344CB8AC3E}">
+        <p14:creationId xmlns:p14="http://schemas.microsoft.com/office/powerpoint/2010/main" val="1753883796"/>
+      </p:ext>
+    </p:extLst>
+  </p:cSld>
+  <p:clrMapOvr>
+    <a:masterClrMapping/>
+  </p:clrMapOvr>
+</p:sld>
+</file>
+
+<file path=ppt/slides/slide8.xml><?xml version="1.0" encoding="utf-8"?>
+<p:sld xmlns:a="http://schemas.openxmlformats.org/drawingml/2006/main" xmlns:r="http://schemas.openxmlformats.org/officeDocument/2006/relationships" xmlns:p="http://schemas.openxmlformats.org/presentationml/2006/main">
+  <p:cSld>
+    <p:spTree>
+      <p:nvGrpSpPr>
+        <p:cNvPr id="1" name=""/>
+        <p:cNvGrpSpPr/>
+        <p:nvPr/>
+      </p:nvGrpSpPr>
+      <p:grpSpPr>
+        <a:xfrm>
+          <a:off x="0" y="0"/>
+          <a:ext cx="0" cy="0"/>
+          <a:chOff x="0" y="0"/>
+          <a:chExt cx="0" cy="0"/>
+        </a:xfrm>
+      </p:grpSpPr>
+      <p:pic>
+        <p:nvPicPr>
+          <p:cNvPr id="5" name="Picture 4">
+            <a:extLst>
+              <a:ext uri="{FF2B5EF4-FFF2-40B4-BE49-F238E27FC236}">
+                <a16:creationId xmlns:a16="http://schemas.microsoft.com/office/drawing/2014/main" id="{7245E8EF-17ED-314C-AD7F-9E6800B85ED7}"/>
+              </a:ext>
+            </a:extLst>
+          </p:cNvPr>
+          <p:cNvPicPr>
+            <a:picLocks noChangeAspect="1"/>
+          </p:cNvPicPr>
+          <p:nvPr/>
+        </p:nvPicPr>
+        <p:blipFill>
+          <a:blip r:embed="rId2"/>
+          <a:stretch>
+            <a:fillRect/>
+          </a:stretch>
+        </p:blipFill>
+        <p:spPr>
+          <a:xfrm>
+            <a:off x="1312689" y="1408404"/>
+            <a:ext cx="10879311" cy="3466233"/>
+          </a:xfrm>
+          <a:prstGeom prst="rect">
+            <a:avLst/>
+          </a:prstGeom>
+        </p:spPr>
+      </p:pic>
+      <p:cxnSp>
+        <p:nvCxnSpPr>
+          <p:cNvPr id="7" name="Straight Arrow Connector 6">
+            <a:extLst>
+              <a:ext uri="{FF2B5EF4-FFF2-40B4-BE49-F238E27FC236}">
+                <a16:creationId xmlns:a16="http://schemas.microsoft.com/office/drawing/2014/main" id="{90A9315B-1C44-184B-A340-1CF1AB5AA816}"/>
+              </a:ext>
+            </a:extLst>
+          </p:cNvPr>
+          <p:cNvCxnSpPr/>
+          <p:nvPr/>
+        </p:nvCxnSpPr>
+        <p:spPr>
+          <a:xfrm>
+            <a:off x="1447800" y="1186543"/>
+            <a:ext cx="10210800" cy="0"/>
+          </a:xfrm>
+          <a:prstGeom prst="straightConnector1">
+            <a:avLst/>
+          </a:prstGeom>
+          <a:ln w="76200">
+            <a:tailEnd type="triangle"/>
+          </a:ln>
+        </p:spPr>
+        <p:style>
+          <a:lnRef idx="1">
+            <a:schemeClr val="accent2"/>
+          </a:lnRef>
+          <a:fillRef idx="0">
+            <a:schemeClr val="accent2"/>
+          </a:fillRef>
+          <a:effectRef idx="0">
+            <a:schemeClr val="accent2"/>
+          </a:effectRef>
+          <a:fontRef idx="minor">
+            <a:schemeClr val="tx1"/>
+          </a:fontRef>
+        </p:style>
+      </p:cxnSp>
+      <p:sp>
+        <p:nvSpPr>
+          <p:cNvPr id="8" name="TextBox 7">
+            <a:extLst>
+              <a:ext uri="{FF2B5EF4-FFF2-40B4-BE49-F238E27FC236}">
+                <a16:creationId xmlns:a16="http://schemas.microsoft.com/office/drawing/2014/main" id="{B348A448-72A2-1142-93B0-DA7EFD9924C7}"/>
+              </a:ext>
+            </a:extLst>
+          </p:cNvPr>
+          <p:cNvSpPr txBox="1"/>
+          <p:nvPr/>
+        </p:nvSpPr>
+        <p:spPr>
+          <a:xfrm>
+            <a:off x="2542789" y="475989"/>
+            <a:ext cx="7828756" cy="523220"/>
+          </a:xfrm>
+          <a:prstGeom prst="rect">
+            <a:avLst/>
+          </a:prstGeom>
+          <a:noFill/>
+        </p:spPr>
+        <p:txBody>
+          <a:bodyPr wrap="square" rtlCol="0">
+            <a:spAutoFit/>
+          </a:bodyPr>
+          <a:lstStyle/>
+          <a:p>
+            <a:r>
+              <a:rPr lang="en-US" sz="2800" b="1" dirty="0">
+                <a:solidFill>
+                  <a:schemeClr val="accent2"/>
+                </a:solidFill>
+              </a:rPr>
+              <a:t>Columns: Top 25 submissions (forecasters)</a:t>
+            </a:r>
+          </a:p>
+        </p:txBody>
+      </p:sp>
+      <p:cxnSp>
+        <p:nvCxnSpPr>
+          <p:cNvPr id="3" name="Straight Arrow Connector 2">
+            <a:extLst>
+              <a:ext uri="{FF2B5EF4-FFF2-40B4-BE49-F238E27FC236}">
+                <a16:creationId xmlns:a16="http://schemas.microsoft.com/office/drawing/2014/main" id="{9B586A7C-2003-6A4E-A9B1-93626FC890C3}"/>
+              </a:ext>
+            </a:extLst>
+          </p:cNvPr>
+          <p:cNvCxnSpPr/>
+          <p:nvPr/>
+        </p:nvCxnSpPr>
+        <p:spPr>
+          <a:xfrm>
+            <a:off x="977030" y="1122320"/>
+            <a:ext cx="0" cy="4038403"/>
+          </a:xfrm>
+          <a:prstGeom prst="straightConnector1">
+            <a:avLst/>
+          </a:prstGeom>
+          <a:ln w="76200">
+            <a:solidFill>
+              <a:schemeClr val="accent6">
+                <a:lumMod val="75000"/>
+              </a:schemeClr>
+            </a:solidFill>
+            <a:tailEnd type="triangle"/>
+          </a:ln>
+        </p:spPr>
+        <p:style>
+          <a:lnRef idx="1">
+            <a:schemeClr val="accent1"/>
+          </a:lnRef>
+          <a:fillRef idx="0">
+            <a:schemeClr val="accent1"/>
+          </a:fillRef>
+          <a:effectRef idx="0">
+            <a:schemeClr val="accent1"/>
+          </a:effectRef>
+          <a:fontRef idx="minor">
+            <a:schemeClr val="tx1"/>
+          </a:fontRef>
+        </p:style>
+      </p:cxnSp>
+      <p:sp>
+        <p:nvSpPr>
+          <p:cNvPr id="9" name="TextBox 8">
+            <a:extLst>
+              <a:ext uri="{FF2B5EF4-FFF2-40B4-BE49-F238E27FC236}">
+                <a16:creationId xmlns:a16="http://schemas.microsoft.com/office/drawing/2014/main" id="{2977E412-D0B0-AA45-84CB-6B6148B00978}"/>
+              </a:ext>
+            </a:extLst>
+          </p:cNvPr>
+          <p:cNvSpPr txBox="1"/>
+          <p:nvPr/>
+        </p:nvSpPr>
+        <p:spPr>
+          <a:xfrm rot="16200000">
+            <a:off x="-1407772" y="2608395"/>
+            <a:ext cx="3947711" cy="584775"/>
+          </a:xfrm>
+          <a:prstGeom prst="rect">
+            <a:avLst/>
+          </a:prstGeom>
+          <a:noFill/>
+        </p:spPr>
+        <p:txBody>
+          <a:bodyPr wrap="square" rtlCol="0">
+            <a:spAutoFit/>
+          </a:bodyPr>
+          <a:lstStyle/>
+          <a:p>
+            <a:r>
+              <a:rPr lang="en-US" sz="3200" b="1" dirty="0">
+                <a:solidFill>
+                  <a:schemeClr val="accent6">
+                    <a:lumMod val="75000"/>
+                  </a:schemeClr>
+                </a:solidFill>
+              </a:rPr>
+              <a:t>Time series - 23000</a:t>
+            </a:r>
+          </a:p>
+        </p:txBody>
+      </p:sp>
+      <p:sp>
+        <p:nvSpPr>
+          <p:cNvPr id="2" name="TextBox 1">
+            <a:extLst>
+              <a:ext uri="{FF2B5EF4-FFF2-40B4-BE49-F238E27FC236}">
+                <a16:creationId xmlns:a16="http://schemas.microsoft.com/office/drawing/2014/main" id="{84CE3613-ABEC-3A4C-B0F9-88798817F649}"/>
+              </a:ext>
+            </a:extLst>
+          </p:cNvPr>
+          <p:cNvSpPr txBox="1"/>
+          <p:nvPr/>
+        </p:nvSpPr>
+        <p:spPr>
+          <a:xfrm>
+            <a:off x="9622970" y="3244334"/>
+            <a:ext cx="450795" cy="369332"/>
+          </a:xfrm>
+          <a:prstGeom prst="rect">
+            <a:avLst/>
+          </a:prstGeom>
+          <a:solidFill>
+            <a:srgbClr val="FFFF00"/>
+          </a:solidFill>
+        </p:spPr>
+        <p:txBody>
+          <a:bodyPr wrap="square" rtlCol="0">
+            <a:spAutoFit/>
+          </a:bodyPr>
+          <a:lstStyle/>
+          <a:p>
+            <a:r>
+              <a:rPr lang="en-US" dirty="0">
+                <a:solidFill>
+                  <a:srgbClr val="FF0000"/>
+                </a:solidFill>
+              </a:rPr>
+              <a:t>25</a:t>
+            </a:r>
+          </a:p>
+        </p:txBody>
+      </p:sp>
+      <p:sp>
+        <p:nvSpPr>
+          <p:cNvPr id="10" name="TextBox 9">
+            <a:extLst>
+              <a:ext uri="{FF2B5EF4-FFF2-40B4-BE49-F238E27FC236}">
+                <a16:creationId xmlns:a16="http://schemas.microsoft.com/office/drawing/2014/main" id="{ED98AE79-080F-EA46-A365-5958E7518AEB}"/>
+              </a:ext>
+            </a:extLst>
+          </p:cNvPr>
+          <p:cNvSpPr txBox="1"/>
+          <p:nvPr/>
+        </p:nvSpPr>
+        <p:spPr>
+          <a:xfrm>
+            <a:off x="9622971" y="3553786"/>
+            <a:ext cx="450794" cy="369332"/>
+          </a:xfrm>
+          <a:prstGeom prst="rect">
+            <a:avLst/>
+          </a:prstGeom>
+          <a:solidFill>
+            <a:srgbClr val="FFFF00"/>
+          </a:solidFill>
+        </p:spPr>
+        <p:txBody>
+          <a:bodyPr wrap="square" rtlCol="0">
+            <a:spAutoFit/>
+          </a:bodyPr>
+          <a:lstStyle/>
+          <a:p>
+            <a:r>
+              <a:rPr lang="en-US" dirty="0">
+                <a:solidFill>
+                  <a:srgbClr val="FF0000"/>
+                </a:solidFill>
+              </a:rPr>
+              <a:t>24</a:t>
+            </a:r>
+          </a:p>
+        </p:txBody>
+      </p:sp>
+      <p:cxnSp>
+        <p:nvCxnSpPr>
+          <p:cNvPr id="11" name="Straight Arrow Connector 10">
+            <a:extLst>
+              <a:ext uri="{FF2B5EF4-FFF2-40B4-BE49-F238E27FC236}">
+                <a16:creationId xmlns:a16="http://schemas.microsoft.com/office/drawing/2014/main" id="{EFF7150F-60B1-AD43-9B16-5106A496C972}"/>
+              </a:ext>
+            </a:extLst>
+          </p:cNvPr>
+          <p:cNvCxnSpPr/>
+          <p:nvPr/>
+        </p:nvCxnSpPr>
+        <p:spPr>
+          <a:xfrm>
+            <a:off x="1447800" y="1687286"/>
+            <a:ext cx="10210800" cy="0"/>
+          </a:xfrm>
+          <a:prstGeom prst="straightConnector1">
+            <a:avLst/>
+          </a:prstGeom>
+          <a:ln w="12700">
+            <a:solidFill>
+              <a:srgbClr val="FF0000"/>
+            </a:solidFill>
+            <a:tailEnd type="triangle"/>
+          </a:ln>
+        </p:spPr>
+        <p:style>
+          <a:lnRef idx="1">
+            <a:schemeClr val="accent2"/>
+          </a:lnRef>
+          <a:fillRef idx="0">
+            <a:schemeClr val="accent2"/>
+          </a:fillRef>
+          <a:effectRef idx="0">
+            <a:schemeClr val="accent2"/>
+          </a:effectRef>
+          <a:fontRef idx="minor">
+            <a:schemeClr val="tx1"/>
+          </a:fontRef>
+        </p:style>
+      </p:cxnSp>
+      <p:cxnSp>
+        <p:nvCxnSpPr>
+          <p:cNvPr id="12" name="Straight Arrow Connector 11">
+            <a:extLst>
+              <a:ext uri="{FF2B5EF4-FFF2-40B4-BE49-F238E27FC236}">
+                <a16:creationId xmlns:a16="http://schemas.microsoft.com/office/drawing/2014/main" id="{CAE0011E-CCF8-D849-9DBE-F7912DE63FF1}"/>
+              </a:ext>
+            </a:extLst>
+          </p:cNvPr>
+          <p:cNvCxnSpPr/>
+          <p:nvPr/>
+        </p:nvCxnSpPr>
+        <p:spPr>
+          <a:xfrm>
+            <a:off x="1600200" y="1839686"/>
+            <a:ext cx="10210800" cy="0"/>
+          </a:xfrm>
+          <a:prstGeom prst="straightConnector1">
+            <a:avLst/>
+          </a:prstGeom>
+          <a:ln w="12700">
+            <a:solidFill>
+              <a:srgbClr val="FF0000"/>
+            </a:solidFill>
+            <a:tailEnd type="triangle"/>
+          </a:ln>
+        </p:spPr>
+        <p:style>
+          <a:lnRef idx="1">
+            <a:schemeClr val="accent2"/>
+          </a:lnRef>
+          <a:fillRef idx="0">
+            <a:schemeClr val="accent2"/>
+          </a:fillRef>
+          <a:effectRef idx="0">
+            <a:schemeClr val="accent2"/>
+          </a:effectRef>
+          <a:fontRef idx="minor">
+            <a:schemeClr val="tx1"/>
+          </a:fontRef>
+        </p:style>
+      </p:cxnSp>
+      <p:cxnSp>
+        <p:nvCxnSpPr>
+          <p:cNvPr id="13" name="Straight Arrow Connector 12">
+            <a:extLst>
+              <a:ext uri="{FF2B5EF4-FFF2-40B4-BE49-F238E27FC236}">
+                <a16:creationId xmlns:a16="http://schemas.microsoft.com/office/drawing/2014/main" id="{8F8EE8AB-76B9-DB45-9F8F-C5298E2310E3}"/>
+              </a:ext>
+            </a:extLst>
+          </p:cNvPr>
+          <p:cNvCxnSpPr/>
+          <p:nvPr/>
+        </p:nvCxnSpPr>
+        <p:spPr>
+          <a:xfrm>
+            <a:off x="1600200" y="2005338"/>
+            <a:ext cx="10210800" cy="0"/>
+          </a:xfrm>
+          <a:prstGeom prst="straightConnector1">
+            <a:avLst/>
+          </a:prstGeom>
+          <a:ln w="12700">
+            <a:solidFill>
+              <a:srgbClr val="FF0000"/>
+            </a:solidFill>
+            <a:tailEnd type="triangle"/>
+          </a:ln>
+        </p:spPr>
+        <p:style>
+          <a:lnRef idx="1">
+            <a:schemeClr val="accent2"/>
+          </a:lnRef>
+          <a:fillRef idx="0">
+            <a:schemeClr val="accent2"/>
+          </a:fillRef>
+          <a:effectRef idx="0">
+            <a:schemeClr val="accent2"/>
+          </a:effectRef>
+          <a:fontRef idx="minor">
+            <a:schemeClr val="tx1"/>
+          </a:fontRef>
+        </p:style>
+      </p:cxnSp>
+      <p:cxnSp>
+        <p:nvCxnSpPr>
+          <p:cNvPr id="14" name="Straight Arrow Connector 13">
+            <a:extLst>
+              <a:ext uri="{FF2B5EF4-FFF2-40B4-BE49-F238E27FC236}">
+                <a16:creationId xmlns:a16="http://schemas.microsoft.com/office/drawing/2014/main" id="{D74C8E7A-0E6D-A64F-B7C9-5F356BC47CF8}"/>
+              </a:ext>
+            </a:extLst>
+          </p:cNvPr>
+          <p:cNvCxnSpPr/>
+          <p:nvPr/>
+        </p:nvCxnSpPr>
+        <p:spPr>
+          <a:xfrm>
+            <a:off x="1600200" y="2197495"/>
+            <a:ext cx="10210800" cy="0"/>
+          </a:xfrm>
+          <a:prstGeom prst="straightConnector1">
+            <a:avLst/>
+          </a:prstGeom>
+          <a:ln w="12700">
+            <a:solidFill>
+              <a:srgbClr val="FF0000"/>
+            </a:solidFill>
+            <a:tailEnd type="triangle"/>
+          </a:ln>
+        </p:spPr>
+        <p:style>
+          <a:lnRef idx="1">
+            <a:schemeClr val="accent2"/>
+          </a:lnRef>
+          <a:fillRef idx="0">
+            <a:schemeClr val="accent2"/>
+          </a:fillRef>
+          <a:effectRef idx="0">
+            <a:schemeClr val="accent2"/>
+          </a:effectRef>
+          <a:fontRef idx="minor">
+            <a:schemeClr val="tx1"/>
+          </a:fontRef>
+        </p:style>
+      </p:cxnSp>
+      <p:cxnSp>
+        <p:nvCxnSpPr>
+          <p:cNvPr id="15" name="Straight Arrow Connector 14">
+            <a:extLst>
+              <a:ext uri="{FF2B5EF4-FFF2-40B4-BE49-F238E27FC236}">
+                <a16:creationId xmlns:a16="http://schemas.microsoft.com/office/drawing/2014/main" id="{26051F0E-0714-A141-B8C4-EC7E8CE4DC6B}"/>
+              </a:ext>
+            </a:extLst>
+          </p:cNvPr>
+          <p:cNvCxnSpPr/>
+          <p:nvPr/>
+        </p:nvCxnSpPr>
+        <p:spPr>
+          <a:xfrm>
+            <a:off x="1600200" y="2336642"/>
+            <a:ext cx="10210800" cy="0"/>
+          </a:xfrm>
+          <a:prstGeom prst="straightConnector1">
+            <a:avLst/>
+          </a:prstGeom>
+          <a:ln w="12700">
+            <a:solidFill>
+              <a:srgbClr val="FF0000"/>
+            </a:solidFill>
+            <a:tailEnd type="triangle"/>
+          </a:ln>
+        </p:spPr>
+        <p:style>
+          <a:lnRef idx="1">
+            <a:schemeClr val="accent2"/>
+          </a:lnRef>
+          <a:fillRef idx="0">
+            <a:schemeClr val="accent2"/>
+          </a:fillRef>
+          <a:effectRef idx="0">
+            <a:schemeClr val="accent2"/>
+          </a:effectRef>
+          <a:fontRef idx="minor">
+            <a:schemeClr val="tx1"/>
+          </a:fontRef>
+        </p:style>
+      </p:cxnSp>
+      <p:cxnSp>
+        <p:nvCxnSpPr>
+          <p:cNvPr id="16" name="Straight Arrow Connector 15">
+            <a:extLst>
+              <a:ext uri="{FF2B5EF4-FFF2-40B4-BE49-F238E27FC236}">
+                <a16:creationId xmlns:a16="http://schemas.microsoft.com/office/drawing/2014/main" id="{C788F28E-BE24-FE47-868D-A8EAE083B5CA}"/>
+              </a:ext>
+            </a:extLst>
+          </p:cNvPr>
+          <p:cNvCxnSpPr/>
+          <p:nvPr/>
+        </p:nvCxnSpPr>
+        <p:spPr>
+          <a:xfrm>
+            <a:off x="1600200" y="2475790"/>
+            <a:ext cx="10210800" cy="0"/>
+          </a:xfrm>
+          <a:prstGeom prst="straightConnector1">
+            <a:avLst/>
+          </a:prstGeom>
+          <a:ln w="12700">
+            <a:solidFill>
+              <a:srgbClr val="FF0000"/>
+            </a:solidFill>
+            <a:tailEnd type="triangle"/>
+          </a:ln>
+        </p:spPr>
+        <p:style>
+          <a:lnRef idx="1">
+            <a:schemeClr val="accent2"/>
+          </a:lnRef>
+          <a:fillRef idx="0">
+            <a:schemeClr val="accent2"/>
+          </a:fillRef>
+          <a:effectRef idx="0">
+            <a:schemeClr val="accent2"/>
+          </a:effectRef>
+          <a:fontRef idx="minor">
+            <a:schemeClr val="tx1"/>
+          </a:fontRef>
+        </p:style>
+      </p:cxnSp>
+      <p:cxnSp>
+        <p:nvCxnSpPr>
+          <p:cNvPr id="17" name="Straight Arrow Connector 16">
+            <a:extLst>
+              <a:ext uri="{FF2B5EF4-FFF2-40B4-BE49-F238E27FC236}">
+                <a16:creationId xmlns:a16="http://schemas.microsoft.com/office/drawing/2014/main" id="{8D6C1F36-C52E-F043-9C5A-916B8195280D}"/>
+              </a:ext>
+            </a:extLst>
+          </p:cNvPr>
+          <p:cNvCxnSpPr/>
+          <p:nvPr/>
+        </p:nvCxnSpPr>
+        <p:spPr>
+          <a:xfrm>
+            <a:off x="1600200" y="2654695"/>
+            <a:ext cx="10210800" cy="0"/>
+          </a:xfrm>
+          <a:prstGeom prst="straightConnector1">
+            <a:avLst/>
+          </a:prstGeom>
+          <a:ln w="12700">
+            <a:solidFill>
+              <a:srgbClr val="FF0000"/>
+            </a:solidFill>
+            <a:tailEnd type="triangle"/>
+          </a:ln>
+        </p:spPr>
+        <p:style>
+          <a:lnRef idx="1">
+            <a:schemeClr val="accent2"/>
+          </a:lnRef>
+          <a:fillRef idx="0">
+            <a:schemeClr val="accent2"/>
+          </a:fillRef>
+          <a:effectRef idx="0">
+            <a:schemeClr val="accent2"/>
+          </a:effectRef>
+          <a:fontRef idx="minor">
+            <a:schemeClr val="tx1"/>
+          </a:fontRef>
+        </p:style>
+      </p:cxnSp>
+      <p:cxnSp>
+        <p:nvCxnSpPr>
+          <p:cNvPr id="19" name="Straight Arrow Connector 18">
+            <a:extLst>
+              <a:ext uri="{FF2B5EF4-FFF2-40B4-BE49-F238E27FC236}">
+                <a16:creationId xmlns:a16="http://schemas.microsoft.com/office/drawing/2014/main" id="{48A356A8-BB43-4140-A11A-2742DD4734BC}"/>
+              </a:ext>
+            </a:extLst>
+          </p:cNvPr>
+          <p:cNvCxnSpPr/>
+          <p:nvPr/>
+        </p:nvCxnSpPr>
+        <p:spPr>
+          <a:xfrm>
+            <a:off x="1600200" y="2879982"/>
+            <a:ext cx="10210800" cy="0"/>
+          </a:xfrm>
+          <a:prstGeom prst="straightConnector1">
+            <a:avLst/>
+          </a:prstGeom>
+          <a:ln w="12700">
+            <a:solidFill>
+              <a:srgbClr val="FF0000"/>
+            </a:solidFill>
+            <a:tailEnd type="triangle"/>
+          </a:ln>
+        </p:spPr>
+        <p:style>
+          <a:lnRef idx="1">
+            <a:schemeClr val="accent2"/>
+          </a:lnRef>
+          <a:fillRef idx="0">
+            <a:schemeClr val="accent2"/>
+          </a:fillRef>
+          <a:effectRef idx="0">
+            <a:schemeClr val="accent2"/>
+          </a:effectRef>
+          <a:fontRef idx="minor">
+            <a:schemeClr val="tx1"/>
+          </a:fontRef>
+        </p:style>
+      </p:cxnSp>
+      <p:cxnSp>
+        <p:nvCxnSpPr>
+          <p:cNvPr id="20" name="Straight Arrow Connector 19">
+            <a:extLst>
+              <a:ext uri="{FF2B5EF4-FFF2-40B4-BE49-F238E27FC236}">
+                <a16:creationId xmlns:a16="http://schemas.microsoft.com/office/drawing/2014/main" id="{3CED27C2-20F5-A845-81FF-B5880AF00600}"/>
+              </a:ext>
+            </a:extLst>
+          </p:cNvPr>
+          <p:cNvCxnSpPr/>
+          <p:nvPr/>
+        </p:nvCxnSpPr>
+        <p:spPr>
+          <a:xfrm>
+            <a:off x="1600200" y="3032381"/>
+            <a:ext cx="10210800" cy="0"/>
+          </a:xfrm>
+          <a:prstGeom prst="straightConnector1">
+            <a:avLst/>
+          </a:prstGeom>
+          <a:ln w="12700">
+            <a:solidFill>
+              <a:srgbClr val="FF0000"/>
+            </a:solidFill>
+            <a:tailEnd type="triangle"/>
+          </a:ln>
+        </p:spPr>
+        <p:style>
+          <a:lnRef idx="1">
+            <a:schemeClr val="accent2"/>
+          </a:lnRef>
+          <a:fillRef idx="0">
+            <a:schemeClr val="accent2"/>
+          </a:fillRef>
+          <a:effectRef idx="0">
+            <a:schemeClr val="accent2"/>
+          </a:effectRef>
+          <a:fontRef idx="minor">
+            <a:schemeClr val="tx1"/>
+          </a:fontRef>
+        </p:style>
+      </p:cxnSp>
+      <p:cxnSp>
+        <p:nvCxnSpPr>
+          <p:cNvPr id="21" name="Straight Arrow Connector 20">
+            <a:extLst>
+              <a:ext uri="{FF2B5EF4-FFF2-40B4-BE49-F238E27FC236}">
+                <a16:creationId xmlns:a16="http://schemas.microsoft.com/office/drawing/2014/main" id="{3212B6D4-C275-B647-9CC2-8C3E792A5DE0}"/>
+              </a:ext>
+            </a:extLst>
+          </p:cNvPr>
+          <p:cNvCxnSpPr/>
+          <p:nvPr/>
+        </p:nvCxnSpPr>
+        <p:spPr>
+          <a:xfrm>
+            <a:off x="1447800" y="3558209"/>
+            <a:ext cx="10210800" cy="0"/>
+          </a:xfrm>
+          <a:prstGeom prst="straightConnector1">
+            <a:avLst/>
+          </a:prstGeom>
+          <a:ln w="12700">
+            <a:solidFill>
+              <a:srgbClr val="FF0000"/>
+            </a:solidFill>
+            <a:tailEnd type="triangle"/>
+          </a:ln>
+        </p:spPr>
+        <p:style>
+          <a:lnRef idx="1">
+            <a:schemeClr val="accent2"/>
+          </a:lnRef>
+          <a:fillRef idx="0">
+            <a:schemeClr val="accent2"/>
+          </a:fillRef>
+          <a:effectRef idx="0">
+            <a:schemeClr val="accent2"/>
+          </a:effectRef>
+          <a:fontRef idx="minor">
+            <a:schemeClr val="tx1"/>
+          </a:fontRef>
+        </p:style>
+      </p:cxnSp>
+      <p:cxnSp>
+        <p:nvCxnSpPr>
+          <p:cNvPr id="22" name="Straight Arrow Connector 21">
+            <a:extLst>
+              <a:ext uri="{FF2B5EF4-FFF2-40B4-BE49-F238E27FC236}">
+                <a16:creationId xmlns:a16="http://schemas.microsoft.com/office/drawing/2014/main" id="{A444BD2F-906C-D94C-BF17-8FAA650BB42D}"/>
+              </a:ext>
+            </a:extLst>
+          </p:cNvPr>
+          <p:cNvCxnSpPr/>
+          <p:nvPr/>
+        </p:nvCxnSpPr>
+        <p:spPr>
+          <a:xfrm>
+            <a:off x="1447800" y="3728121"/>
+            <a:ext cx="10210800" cy="0"/>
+          </a:xfrm>
+          <a:prstGeom prst="straightConnector1">
+            <a:avLst/>
+          </a:prstGeom>
+          <a:ln w="12700">
+            <a:solidFill>
+              <a:srgbClr val="FF0000"/>
+            </a:solidFill>
+            <a:tailEnd type="triangle"/>
+          </a:ln>
+        </p:spPr>
+        <p:style>
+          <a:lnRef idx="1">
+            <a:schemeClr val="accent2"/>
+          </a:lnRef>
+          <a:fillRef idx="0">
+            <a:schemeClr val="accent2"/>
+          </a:fillRef>
+          <a:effectRef idx="0">
+            <a:schemeClr val="accent2"/>
+          </a:effectRef>
+          <a:fontRef idx="minor">
+            <a:schemeClr val="tx1"/>
+          </a:fontRef>
+        </p:style>
+      </p:cxnSp>
+    </p:spTree>
+    <p:extLst>
+      <p:ext uri="{BB962C8B-B14F-4D97-AF65-F5344CB8AC3E}">
+        <p14:creationId xmlns:p14="http://schemas.microsoft.com/office/powerpoint/2010/main" val="2371162841"/>
+      </p:ext>
+    </p:extLst>
+  </p:cSld>
+  <p:clrMapOvr>
+    <a:masterClrMapping/>
+  </p:clrMapOvr>
+</p:sld>
+</file>
+
 <file path=ppt/theme/theme1.xml><?xml version="1.0" encoding="utf-8"?>
 <a:theme xmlns:a="http://schemas.openxmlformats.org/drawingml/2006/main" name="Office Theme">
   <a:themeElements>
